--- a/ppt 16-9/0936.基督精兵.pptx
+++ b/ppt 16-9/0936.基督精兵.pptx
@@ -129,7 +129,7 @@
           <p:cNvPr id="2" name="标题 1">
             <a:extLst>
               <a:ext uri="{FF2B5EF4-FFF2-40B4-BE49-F238E27FC236}">
-                <a16:creationId xmlns:a16="http://schemas.microsoft.com/office/drawing/2014/main" id="{AB0BDAA8-5FBB-0A5B-B10A-56276D31EB4E}"/>
+                <a16:creationId xmlns:a16="http://schemas.microsoft.com/office/drawing/2014/main" id="{8F733064-7E31-52D8-F65F-77A581A432B2}"/>
               </a:ext>
             </a:extLst>
           </p:cNvPr>
@@ -166,7 +166,7 @@
           <p:cNvPr id="3" name="副标题 2">
             <a:extLst>
               <a:ext uri="{FF2B5EF4-FFF2-40B4-BE49-F238E27FC236}">
-                <a16:creationId xmlns:a16="http://schemas.microsoft.com/office/drawing/2014/main" id="{43A64F5C-C909-0117-D053-28679ACCD82E}"/>
+                <a16:creationId xmlns:a16="http://schemas.microsoft.com/office/drawing/2014/main" id="{1BCD0589-FB1B-25D1-9AF5-FD4E994D3B5E}"/>
               </a:ext>
             </a:extLst>
           </p:cNvPr>
@@ -236,7 +236,7 @@
           <p:cNvPr id="4" name="日期占位符 3">
             <a:extLst>
               <a:ext uri="{FF2B5EF4-FFF2-40B4-BE49-F238E27FC236}">
-                <a16:creationId xmlns:a16="http://schemas.microsoft.com/office/drawing/2014/main" id="{D75B53D8-B52C-81FA-5DEB-72D028CCB72E}"/>
+                <a16:creationId xmlns:a16="http://schemas.microsoft.com/office/drawing/2014/main" id="{1AB87F16-46E6-0C5E-19E6-541BFE16DF95}"/>
               </a:ext>
             </a:extLst>
           </p:cNvPr>
@@ -252,7 +252,7 @@
           <a:bodyPr/>
           <a:lstStyle/>
           <a:p>
-            <a:fld id="{64464D60-C34B-4FAB-9C5A-CAD32E97D230}" type="datetimeFigureOut">
+            <a:fld id="{797BA9AD-6653-48B4-A9A2-9EECBCB98818}" type="datetimeFigureOut">
               <a:rPr lang="zh-CN" altLang="en-US" smtClean="0"/>
               <a:t>2024/3/10</a:t>
             </a:fld>
@@ -265,7 +265,7 @@
           <p:cNvPr id="5" name="页脚占位符 4">
             <a:extLst>
               <a:ext uri="{FF2B5EF4-FFF2-40B4-BE49-F238E27FC236}">
-                <a16:creationId xmlns:a16="http://schemas.microsoft.com/office/drawing/2014/main" id="{1471EE88-539E-EF64-D9D2-EAEB78638302}"/>
+                <a16:creationId xmlns:a16="http://schemas.microsoft.com/office/drawing/2014/main" id="{E6D4228A-7B04-78A7-A300-F01F7F81B6EA}"/>
               </a:ext>
             </a:extLst>
           </p:cNvPr>
@@ -290,7 +290,7 @@
           <p:cNvPr id="6" name="灯片编号占位符 5">
             <a:extLst>
               <a:ext uri="{FF2B5EF4-FFF2-40B4-BE49-F238E27FC236}">
-                <a16:creationId xmlns:a16="http://schemas.microsoft.com/office/drawing/2014/main" id="{82111315-E7B8-0CA6-663C-93931214DFDA}"/>
+                <a16:creationId xmlns:a16="http://schemas.microsoft.com/office/drawing/2014/main" id="{3EFBAEEC-1EB7-8F5E-A894-3986256A7E0A}"/>
               </a:ext>
             </a:extLst>
           </p:cNvPr>
@@ -306,7 +306,7 @@
           <a:bodyPr/>
           <a:lstStyle/>
           <a:p>
-            <a:fld id="{E08A6B3F-7EA0-48BC-8318-EFF194E24C4A}" type="slidenum">
+            <a:fld id="{9FA2A8F8-82B9-4CD0-89B6-DAFAAED6AFB8}" type="slidenum">
               <a:rPr lang="zh-CN" altLang="en-US" smtClean="0"/>
               <a:t>‹#›</a:t>
             </a:fld>
@@ -317,7 +317,7 @@
     </p:spTree>
     <p:extLst>
       <p:ext uri="{BB962C8B-B14F-4D97-AF65-F5344CB8AC3E}">
-        <p14:creationId xmlns:p14="http://schemas.microsoft.com/office/powerpoint/2010/main" val="3394592822"/>
+        <p14:creationId xmlns:p14="http://schemas.microsoft.com/office/powerpoint/2010/main" val="1590944595"/>
       </p:ext>
     </p:extLst>
   </p:cSld>
@@ -349,7 +349,7 @@
           <p:cNvPr id="2" name="标题 1">
             <a:extLst>
               <a:ext uri="{FF2B5EF4-FFF2-40B4-BE49-F238E27FC236}">
-                <a16:creationId xmlns:a16="http://schemas.microsoft.com/office/drawing/2014/main" id="{E87E9B1D-4127-9F5E-4650-EDB4B80DCB52}"/>
+                <a16:creationId xmlns:a16="http://schemas.microsoft.com/office/drawing/2014/main" id="{48DC61A3-8AEE-7D94-A4BF-B1E7D6566BF9}"/>
               </a:ext>
             </a:extLst>
           </p:cNvPr>
@@ -377,7 +377,7 @@
           <p:cNvPr id="3" name="竖排文字占位符 2">
             <a:extLst>
               <a:ext uri="{FF2B5EF4-FFF2-40B4-BE49-F238E27FC236}">
-                <a16:creationId xmlns:a16="http://schemas.microsoft.com/office/drawing/2014/main" id="{3BECC2A9-4F3D-EF5A-2BC9-56476AF7C9DE}"/>
+                <a16:creationId xmlns:a16="http://schemas.microsoft.com/office/drawing/2014/main" id="{EC3D4C7F-38D1-2865-9965-4EBC50B544D5}"/>
               </a:ext>
             </a:extLst>
           </p:cNvPr>
@@ -434,7 +434,7 @@
           <p:cNvPr id="4" name="日期占位符 3">
             <a:extLst>
               <a:ext uri="{FF2B5EF4-FFF2-40B4-BE49-F238E27FC236}">
-                <a16:creationId xmlns:a16="http://schemas.microsoft.com/office/drawing/2014/main" id="{F2C02F11-688D-F83D-469A-0E6A1CC1FA01}"/>
+                <a16:creationId xmlns:a16="http://schemas.microsoft.com/office/drawing/2014/main" id="{38E17415-12F4-CD7D-90A4-664A8C81FCC7}"/>
               </a:ext>
             </a:extLst>
           </p:cNvPr>
@@ -450,7 +450,7 @@
           <a:bodyPr/>
           <a:lstStyle/>
           <a:p>
-            <a:fld id="{64464D60-C34B-4FAB-9C5A-CAD32E97D230}" type="datetimeFigureOut">
+            <a:fld id="{797BA9AD-6653-48B4-A9A2-9EECBCB98818}" type="datetimeFigureOut">
               <a:rPr lang="zh-CN" altLang="en-US" smtClean="0"/>
               <a:t>2024/3/10</a:t>
             </a:fld>
@@ -463,7 +463,7 @@
           <p:cNvPr id="5" name="页脚占位符 4">
             <a:extLst>
               <a:ext uri="{FF2B5EF4-FFF2-40B4-BE49-F238E27FC236}">
-                <a16:creationId xmlns:a16="http://schemas.microsoft.com/office/drawing/2014/main" id="{25E81CFC-0BEA-0BA4-C09A-0F758A996351}"/>
+                <a16:creationId xmlns:a16="http://schemas.microsoft.com/office/drawing/2014/main" id="{2072D0B3-4AA9-0413-49D6-DFEAD58AF6F5}"/>
               </a:ext>
             </a:extLst>
           </p:cNvPr>
@@ -488,7 +488,7 @@
           <p:cNvPr id="6" name="灯片编号占位符 5">
             <a:extLst>
               <a:ext uri="{FF2B5EF4-FFF2-40B4-BE49-F238E27FC236}">
-                <a16:creationId xmlns:a16="http://schemas.microsoft.com/office/drawing/2014/main" id="{5A20C38F-B16B-9010-D3B3-D7E1BB32C7D0}"/>
+                <a16:creationId xmlns:a16="http://schemas.microsoft.com/office/drawing/2014/main" id="{8CB78581-97B8-5C07-601F-210A53F688B9}"/>
               </a:ext>
             </a:extLst>
           </p:cNvPr>
@@ -504,7 +504,7 @@
           <a:bodyPr/>
           <a:lstStyle/>
           <a:p>
-            <a:fld id="{E08A6B3F-7EA0-48BC-8318-EFF194E24C4A}" type="slidenum">
+            <a:fld id="{9FA2A8F8-82B9-4CD0-89B6-DAFAAED6AFB8}" type="slidenum">
               <a:rPr lang="zh-CN" altLang="en-US" smtClean="0"/>
               <a:t>‹#›</a:t>
             </a:fld>
@@ -515,7 +515,7 @@
     </p:spTree>
     <p:extLst>
       <p:ext uri="{BB962C8B-B14F-4D97-AF65-F5344CB8AC3E}">
-        <p14:creationId xmlns:p14="http://schemas.microsoft.com/office/powerpoint/2010/main" val="532816516"/>
+        <p14:creationId xmlns:p14="http://schemas.microsoft.com/office/powerpoint/2010/main" val="3727184916"/>
       </p:ext>
     </p:extLst>
   </p:cSld>
@@ -547,7 +547,7 @@
           <p:cNvPr id="2" name="竖排标题 1">
             <a:extLst>
               <a:ext uri="{FF2B5EF4-FFF2-40B4-BE49-F238E27FC236}">
-                <a16:creationId xmlns:a16="http://schemas.microsoft.com/office/drawing/2014/main" id="{E5445B10-7252-C034-CD69-4182372B5F93}"/>
+                <a16:creationId xmlns:a16="http://schemas.microsoft.com/office/drawing/2014/main" id="{FE3BDA8C-6EAA-3A21-75D6-6A39BDF353F1}"/>
               </a:ext>
             </a:extLst>
           </p:cNvPr>
@@ -580,7 +580,7 @@
           <p:cNvPr id="3" name="竖排文字占位符 2">
             <a:extLst>
               <a:ext uri="{FF2B5EF4-FFF2-40B4-BE49-F238E27FC236}">
-                <a16:creationId xmlns:a16="http://schemas.microsoft.com/office/drawing/2014/main" id="{6C6D090E-0AC0-B3D7-5D67-9BE6C42694E2}"/>
+                <a16:creationId xmlns:a16="http://schemas.microsoft.com/office/drawing/2014/main" id="{F4C2823E-5748-E63D-BAC9-A8D37FCA88E1}"/>
               </a:ext>
             </a:extLst>
           </p:cNvPr>
@@ -642,7 +642,7 @@
           <p:cNvPr id="4" name="日期占位符 3">
             <a:extLst>
               <a:ext uri="{FF2B5EF4-FFF2-40B4-BE49-F238E27FC236}">
-                <a16:creationId xmlns:a16="http://schemas.microsoft.com/office/drawing/2014/main" id="{2A308137-002B-C7F4-C429-EAE6298114AF}"/>
+                <a16:creationId xmlns:a16="http://schemas.microsoft.com/office/drawing/2014/main" id="{9C053AB7-7F5D-97BC-1E5E-15FC23FA4A37}"/>
               </a:ext>
             </a:extLst>
           </p:cNvPr>
@@ -658,7 +658,7 @@
           <a:bodyPr/>
           <a:lstStyle/>
           <a:p>
-            <a:fld id="{64464D60-C34B-4FAB-9C5A-CAD32E97D230}" type="datetimeFigureOut">
+            <a:fld id="{797BA9AD-6653-48B4-A9A2-9EECBCB98818}" type="datetimeFigureOut">
               <a:rPr lang="zh-CN" altLang="en-US" smtClean="0"/>
               <a:t>2024/3/10</a:t>
             </a:fld>
@@ -671,7 +671,7 @@
           <p:cNvPr id="5" name="页脚占位符 4">
             <a:extLst>
               <a:ext uri="{FF2B5EF4-FFF2-40B4-BE49-F238E27FC236}">
-                <a16:creationId xmlns:a16="http://schemas.microsoft.com/office/drawing/2014/main" id="{71A311F1-93C2-B3BE-11EF-ABC07ED7B920}"/>
+                <a16:creationId xmlns:a16="http://schemas.microsoft.com/office/drawing/2014/main" id="{556C17F9-F70A-CC68-FD18-56AD7A883FB3}"/>
               </a:ext>
             </a:extLst>
           </p:cNvPr>
@@ -696,7 +696,7 @@
           <p:cNvPr id="6" name="灯片编号占位符 5">
             <a:extLst>
               <a:ext uri="{FF2B5EF4-FFF2-40B4-BE49-F238E27FC236}">
-                <a16:creationId xmlns:a16="http://schemas.microsoft.com/office/drawing/2014/main" id="{51D4C0F4-CACC-CC68-EA2D-1CDF5A6F36EE}"/>
+                <a16:creationId xmlns:a16="http://schemas.microsoft.com/office/drawing/2014/main" id="{45BEF927-64B6-92ED-E6F7-597278E2230B}"/>
               </a:ext>
             </a:extLst>
           </p:cNvPr>
@@ -712,7 +712,7 @@
           <a:bodyPr/>
           <a:lstStyle/>
           <a:p>
-            <a:fld id="{E08A6B3F-7EA0-48BC-8318-EFF194E24C4A}" type="slidenum">
+            <a:fld id="{9FA2A8F8-82B9-4CD0-89B6-DAFAAED6AFB8}" type="slidenum">
               <a:rPr lang="zh-CN" altLang="en-US" smtClean="0"/>
               <a:t>‹#›</a:t>
             </a:fld>
@@ -723,7 +723,7 @@
     </p:spTree>
     <p:extLst>
       <p:ext uri="{BB962C8B-B14F-4D97-AF65-F5344CB8AC3E}">
-        <p14:creationId xmlns:p14="http://schemas.microsoft.com/office/powerpoint/2010/main" val="1870969998"/>
+        <p14:creationId xmlns:p14="http://schemas.microsoft.com/office/powerpoint/2010/main" val="1506167630"/>
       </p:ext>
     </p:extLst>
   </p:cSld>
@@ -755,7 +755,7 @@
           <p:cNvPr id="2" name="标题 1">
             <a:extLst>
               <a:ext uri="{FF2B5EF4-FFF2-40B4-BE49-F238E27FC236}">
-                <a16:creationId xmlns:a16="http://schemas.microsoft.com/office/drawing/2014/main" id="{AB559418-312A-3F7E-45EF-0E63BFF1AF3B}"/>
+                <a16:creationId xmlns:a16="http://schemas.microsoft.com/office/drawing/2014/main" id="{FE0E095E-A4EB-60CE-3770-32F144A84872}"/>
               </a:ext>
             </a:extLst>
           </p:cNvPr>
@@ -783,7 +783,7 @@
           <p:cNvPr id="3" name="内容占位符 2">
             <a:extLst>
               <a:ext uri="{FF2B5EF4-FFF2-40B4-BE49-F238E27FC236}">
-                <a16:creationId xmlns:a16="http://schemas.microsoft.com/office/drawing/2014/main" id="{53F0AEC2-CE4D-E932-802A-562FDB84B0BC}"/>
+                <a16:creationId xmlns:a16="http://schemas.microsoft.com/office/drawing/2014/main" id="{93C4D372-878D-FF67-2BB9-F7E5405983DB}"/>
               </a:ext>
             </a:extLst>
           </p:cNvPr>
@@ -840,7 +840,7 @@
           <p:cNvPr id="4" name="日期占位符 3">
             <a:extLst>
               <a:ext uri="{FF2B5EF4-FFF2-40B4-BE49-F238E27FC236}">
-                <a16:creationId xmlns:a16="http://schemas.microsoft.com/office/drawing/2014/main" id="{BEE6333C-FBF9-A966-35B5-4F31678673F5}"/>
+                <a16:creationId xmlns:a16="http://schemas.microsoft.com/office/drawing/2014/main" id="{84EECBD5-C9D2-A8B1-23ED-5DCD3BDDB7C4}"/>
               </a:ext>
             </a:extLst>
           </p:cNvPr>
@@ -856,7 +856,7 @@
           <a:bodyPr/>
           <a:lstStyle/>
           <a:p>
-            <a:fld id="{64464D60-C34B-4FAB-9C5A-CAD32E97D230}" type="datetimeFigureOut">
+            <a:fld id="{797BA9AD-6653-48B4-A9A2-9EECBCB98818}" type="datetimeFigureOut">
               <a:rPr lang="zh-CN" altLang="en-US" smtClean="0"/>
               <a:t>2024/3/10</a:t>
             </a:fld>
@@ -869,7 +869,7 @@
           <p:cNvPr id="5" name="页脚占位符 4">
             <a:extLst>
               <a:ext uri="{FF2B5EF4-FFF2-40B4-BE49-F238E27FC236}">
-                <a16:creationId xmlns:a16="http://schemas.microsoft.com/office/drawing/2014/main" id="{5386D9B6-139E-6871-7628-0CDC84257E58}"/>
+                <a16:creationId xmlns:a16="http://schemas.microsoft.com/office/drawing/2014/main" id="{9405BE1C-CC31-9864-4AF9-4B3F57581FEC}"/>
               </a:ext>
             </a:extLst>
           </p:cNvPr>
@@ -894,7 +894,7 @@
           <p:cNvPr id="6" name="灯片编号占位符 5">
             <a:extLst>
               <a:ext uri="{FF2B5EF4-FFF2-40B4-BE49-F238E27FC236}">
-                <a16:creationId xmlns:a16="http://schemas.microsoft.com/office/drawing/2014/main" id="{32252344-CD84-5E8A-7D8B-5E5EAD8E7313}"/>
+                <a16:creationId xmlns:a16="http://schemas.microsoft.com/office/drawing/2014/main" id="{4E8DF9A0-D87D-D485-8BB0-E570287C7F6D}"/>
               </a:ext>
             </a:extLst>
           </p:cNvPr>
@@ -910,7 +910,7 @@
           <a:bodyPr/>
           <a:lstStyle/>
           <a:p>
-            <a:fld id="{E08A6B3F-7EA0-48BC-8318-EFF194E24C4A}" type="slidenum">
+            <a:fld id="{9FA2A8F8-82B9-4CD0-89B6-DAFAAED6AFB8}" type="slidenum">
               <a:rPr lang="zh-CN" altLang="en-US" smtClean="0"/>
               <a:t>‹#›</a:t>
             </a:fld>
@@ -921,7 +921,7 @@
     </p:spTree>
     <p:extLst>
       <p:ext uri="{BB962C8B-B14F-4D97-AF65-F5344CB8AC3E}">
-        <p14:creationId xmlns:p14="http://schemas.microsoft.com/office/powerpoint/2010/main" val="259796008"/>
+        <p14:creationId xmlns:p14="http://schemas.microsoft.com/office/powerpoint/2010/main" val="3562333267"/>
       </p:ext>
     </p:extLst>
   </p:cSld>
@@ -953,7 +953,7 @@
           <p:cNvPr id="2" name="标题 1">
             <a:extLst>
               <a:ext uri="{FF2B5EF4-FFF2-40B4-BE49-F238E27FC236}">
-                <a16:creationId xmlns:a16="http://schemas.microsoft.com/office/drawing/2014/main" id="{A07F4A76-09B1-A5AE-6753-140CA3163CEA}"/>
+                <a16:creationId xmlns:a16="http://schemas.microsoft.com/office/drawing/2014/main" id="{4316379C-6971-0244-AE42-EA8A1DDEA052}"/>
               </a:ext>
             </a:extLst>
           </p:cNvPr>
@@ -990,7 +990,7 @@
           <p:cNvPr id="3" name="文本占位符 2">
             <a:extLst>
               <a:ext uri="{FF2B5EF4-FFF2-40B4-BE49-F238E27FC236}">
-                <a16:creationId xmlns:a16="http://schemas.microsoft.com/office/drawing/2014/main" id="{5CB78E88-6826-5CCE-15E5-9E698E675AA7}"/>
+                <a16:creationId xmlns:a16="http://schemas.microsoft.com/office/drawing/2014/main" id="{3199FA8D-A629-AB98-7849-44710917C0EA}"/>
               </a:ext>
             </a:extLst>
           </p:cNvPr>
@@ -1115,7 +1115,7 @@
           <p:cNvPr id="4" name="日期占位符 3">
             <a:extLst>
               <a:ext uri="{FF2B5EF4-FFF2-40B4-BE49-F238E27FC236}">
-                <a16:creationId xmlns:a16="http://schemas.microsoft.com/office/drawing/2014/main" id="{71DCD0D0-DC53-0C69-CF94-05140565980F}"/>
+                <a16:creationId xmlns:a16="http://schemas.microsoft.com/office/drawing/2014/main" id="{0D89E683-F775-58BD-F249-4EF5CB7F1E56}"/>
               </a:ext>
             </a:extLst>
           </p:cNvPr>
@@ -1131,7 +1131,7 @@
           <a:bodyPr/>
           <a:lstStyle/>
           <a:p>
-            <a:fld id="{64464D60-C34B-4FAB-9C5A-CAD32E97D230}" type="datetimeFigureOut">
+            <a:fld id="{797BA9AD-6653-48B4-A9A2-9EECBCB98818}" type="datetimeFigureOut">
               <a:rPr lang="zh-CN" altLang="en-US" smtClean="0"/>
               <a:t>2024/3/10</a:t>
             </a:fld>
@@ -1144,7 +1144,7 @@
           <p:cNvPr id="5" name="页脚占位符 4">
             <a:extLst>
               <a:ext uri="{FF2B5EF4-FFF2-40B4-BE49-F238E27FC236}">
-                <a16:creationId xmlns:a16="http://schemas.microsoft.com/office/drawing/2014/main" id="{600B062C-9EB3-E0B0-CD7C-7DD37457AA97}"/>
+                <a16:creationId xmlns:a16="http://schemas.microsoft.com/office/drawing/2014/main" id="{AC42ADD3-AD56-00E8-616A-B73D5D18428D}"/>
               </a:ext>
             </a:extLst>
           </p:cNvPr>
@@ -1169,7 +1169,7 @@
           <p:cNvPr id="6" name="灯片编号占位符 5">
             <a:extLst>
               <a:ext uri="{FF2B5EF4-FFF2-40B4-BE49-F238E27FC236}">
-                <a16:creationId xmlns:a16="http://schemas.microsoft.com/office/drawing/2014/main" id="{EA794209-B078-AE11-DCBB-8B805875C075}"/>
+                <a16:creationId xmlns:a16="http://schemas.microsoft.com/office/drawing/2014/main" id="{17B6473D-943F-B5CE-4DCC-C4903542AA99}"/>
               </a:ext>
             </a:extLst>
           </p:cNvPr>
@@ -1185,7 +1185,7 @@
           <a:bodyPr/>
           <a:lstStyle/>
           <a:p>
-            <a:fld id="{E08A6B3F-7EA0-48BC-8318-EFF194E24C4A}" type="slidenum">
+            <a:fld id="{9FA2A8F8-82B9-4CD0-89B6-DAFAAED6AFB8}" type="slidenum">
               <a:rPr lang="zh-CN" altLang="en-US" smtClean="0"/>
               <a:t>‹#›</a:t>
             </a:fld>
@@ -1196,7 +1196,7 @@
     </p:spTree>
     <p:extLst>
       <p:ext uri="{BB962C8B-B14F-4D97-AF65-F5344CB8AC3E}">
-        <p14:creationId xmlns:p14="http://schemas.microsoft.com/office/powerpoint/2010/main" val="2994429330"/>
+        <p14:creationId xmlns:p14="http://schemas.microsoft.com/office/powerpoint/2010/main" val="4294383907"/>
       </p:ext>
     </p:extLst>
   </p:cSld>
@@ -1228,7 +1228,7 @@
           <p:cNvPr id="2" name="标题 1">
             <a:extLst>
               <a:ext uri="{FF2B5EF4-FFF2-40B4-BE49-F238E27FC236}">
-                <a16:creationId xmlns:a16="http://schemas.microsoft.com/office/drawing/2014/main" id="{7CFEC29F-B169-9584-9BAE-4EF4D68521B6}"/>
+                <a16:creationId xmlns:a16="http://schemas.microsoft.com/office/drawing/2014/main" id="{9A4E75C7-99C3-E24D-C6C3-6F44324CAEC2}"/>
               </a:ext>
             </a:extLst>
           </p:cNvPr>
@@ -1256,7 +1256,7 @@
           <p:cNvPr id="3" name="内容占位符 2">
             <a:extLst>
               <a:ext uri="{FF2B5EF4-FFF2-40B4-BE49-F238E27FC236}">
-                <a16:creationId xmlns:a16="http://schemas.microsoft.com/office/drawing/2014/main" id="{BC6E560E-7E15-9FE6-D054-0AA61C82AE97}"/>
+                <a16:creationId xmlns:a16="http://schemas.microsoft.com/office/drawing/2014/main" id="{D87381DE-259D-CB56-D6BE-485C1022232B}"/>
               </a:ext>
             </a:extLst>
           </p:cNvPr>
@@ -1318,7 +1318,7 @@
           <p:cNvPr id="4" name="内容占位符 3">
             <a:extLst>
               <a:ext uri="{FF2B5EF4-FFF2-40B4-BE49-F238E27FC236}">
-                <a16:creationId xmlns:a16="http://schemas.microsoft.com/office/drawing/2014/main" id="{8E4D0BB9-B9CD-11B9-5303-A296B922EE51}"/>
+                <a16:creationId xmlns:a16="http://schemas.microsoft.com/office/drawing/2014/main" id="{1C698DEB-6E9C-9205-A769-B7AB240E1FD8}"/>
               </a:ext>
             </a:extLst>
           </p:cNvPr>
@@ -1380,7 +1380,7 @@
           <p:cNvPr id="5" name="日期占位符 4">
             <a:extLst>
               <a:ext uri="{FF2B5EF4-FFF2-40B4-BE49-F238E27FC236}">
-                <a16:creationId xmlns:a16="http://schemas.microsoft.com/office/drawing/2014/main" id="{2DB5136B-E291-660E-C3B9-6BAD8FA2D4D8}"/>
+                <a16:creationId xmlns:a16="http://schemas.microsoft.com/office/drawing/2014/main" id="{24A999F6-F94B-F004-B429-3CFFA387F51D}"/>
               </a:ext>
             </a:extLst>
           </p:cNvPr>
@@ -1396,7 +1396,7 @@
           <a:bodyPr/>
           <a:lstStyle/>
           <a:p>
-            <a:fld id="{64464D60-C34B-4FAB-9C5A-CAD32E97D230}" type="datetimeFigureOut">
+            <a:fld id="{797BA9AD-6653-48B4-A9A2-9EECBCB98818}" type="datetimeFigureOut">
               <a:rPr lang="zh-CN" altLang="en-US" smtClean="0"/>
               <a:t>2024/3/10</a:t>
             </a:fld>
@@ -1409,7 +1409,7 @@
           <p:cNvPr id="6" name="页脚占位符 5">
             <a:extLst>
               <a:ext uri="{FF2B5EF4-FFF2-40B4-BE49-F238E27FC236}">
-                <a16:creationId xmlns:a16="http://schemas.microsoft.com/office/drawing/2014/main" id="{983CD7BC-646D-70F4-C010-B0FD144FC694}"/>
+                <a16:creationId xmlns:a16="http://schemas.microsoft.com/office/drawing/2014/main" id="{8E503287-9570-D98B-C248-D77349594091}"/>
               </a:ext>
             </a:extLst>
           </p:cNvPr>
@@ -1434,7 +1434,7 @@
           <p:cNvPr id="7" name="灯片编号占位符 6">
             <a:extLst>
               <a:ext uri="{FF2B5EF4-FFF2-40B4-BE49-F238E27FC236}">
-                <a16:creationId xmlns:a16="http://schemas.microsoft.com/office/drawing/2014/main" id="{5BC0B052-7E04-1920-C3BB-8E62F570CA10}"/>
+                <a16:creationId xmlns:a16="http://schemas.microsoft.com/office/drawing/2014/main" id="{95A1F694-7D5E-D182-4EA7-74014647C43B}"/>
               </a:ext>
             </a:extLst>
           </p:cNvPr>
@@ -1450,7 +1450,7 @@
           <a:bodyPr/>
           <a:lstStyle/>
           <a:p>
-            <a:fld id="{E08A6B3F-7EA0-48BC-8318-EFF194E24C4A}" type="slidenum">
+            <a:fld id="{9FA2A8F8-82B9-4CD0-89B6-DAFAAED6AFB8}" type="slidenum">
               <a:rPr lang="zh-CN" altLang="en-US" smtClean="0"/>
               <a:t>‹#›</a:t>
             </a:fld>
@@ -1461,7 +1461,7 @@
     </p:spTree>
     <p:extLst>
       <p:ext uri="{BB962C8B-B14F-4D97-AF65-F5344CB8AC3E}">
-        <p14:creationId xmlns:p14="http://schemas.microsoft.com/office/powerpoint/2010/main" val="3811219427"/>
+        <p14:creationId xmlns:p14="http://schemas.microsoft.com/office/powerpoint/2010/main" val="2878739326"/>
       </p:ext>
     </p:extLst>
   </p:cSld>
@@ -1493,7 +1493,7 @@
           <p:cNvPr id="2" name="标题 1">
             <a:extLst>
               <a:ext uri="{FF2B5EF4-FFF2-40B4-BE49-F238E27FC236}">
-                <a16:creationId xmlns:a16="http://schemas.microsoft.com/office/drawing/2014/main" id="{B96EF448-B656-63F0-482A-168BFB67B2AC}"/>
+                <a16:creationId xmlns:a16="http://schemas.microsoft.com/office/drawing/2014/main" id="{DB00A1E6-4ED7-D1B7-EF4A-50FE03DBD98E}"/>
               </a:ext>
             </a:extLst>
           </p:cNvPr>
@@ -1526,7 +1526,7 @@
           <p:cNvPr id="3" name="文本占位符 2">
             <a:extLst>
               <a:ext uri="{FF2B5EF4-FFF2-40B4-BE49-F238E27FC236}">
-                <a16:creationId xmlns:a16="http://schemas.microsoft.com/office/drawing/2014/main" id="{0EEA0FE5-56EB-66E5-BA31-36758ED7983D}"/>
+                <a16:creationId xmlns:a16="http://schemas.microsoft.com/office/drawing/2014/main" id="{EB48D368-844B-C3A0-517F-AEA8B4D40687}"/>
               </a:ext>
             </a:extLst>
           </p:cNvPr>
@@ -1597,7 +1597,7 @@
           <p:cNvPr id="4" name="内容占位符 3">
             <a:extLst>
               <a:ext uri="{FF2B5EF4-FFF2-40B4-BE49-F238E27FC236}">
-                <a16:creationId xmlns:a16="http://schemas.microsoft.com/office/drawing/2014/main" id="{84FA3ACD-8E87-0B0F-71B1-FC2127C2E8BF}"/>
+                <a16:creationId xmlns:a16="http://schemas.microsoft.com/office/drawing/2014/main" id="{E1A8B8CF-9A3C-2040-CF5D-922C9DB584DA}"/>
               </a:ext>
             </a:extLst>
           </p:cNvPr>
@@ -1659,7 +1659,7 @@
           <p:cNvPr id="5" name="文本占位符 4">
             <a:extLst>
               <a:ext uri="{FF2B5EF4-FFF2-40B4-BE49-F238E27FC236}">
-                <a16:creationId xmlns:a16="http://schemas.microsoft.com/office/drawing/2014/main" id="{AE8CBD63-C4C0-B3FD-5105-2E2EC53B7BFE}"/>
+                <a16:creationId xmlns:a16="http://schemas.microsoft.com/office/drawing/2014/main" id="{AA617689-6E9B-CBEF-6161-F83D42D7E574}"/>
               </a:ext>
             </a:extLst>
           </p:cNvPr>
@@ -1730,7 +1730,7 @@
           <p:cNvPr id="6" name="内容占位符 5">
             <a:extLst>
               <a:ext uri="{FF2B5EF4-FFF2-40B4-BE49-F238E27FC236}">
-                <a16:creationId xmlns:a16="http://schemas.microsoft.com/office/drawing/2014/main" id="{10436CB9-2BBB-5058-FE94-B209EB9B6D49}"/>
+                <a16:creationId xmlns:a16="http://schemas.microsoft.com/office/drawing/2014/main" id="{102239B8-9045-9AC4-1490-DA0EDBBF3BE4}"/>
               </a:ext>
             </a:extLst>
           </p:cNvPr>
@@ -1792,7 +1792,7 @@
           <p:cNvPr id="7" name="日期占位符 6">
             <a:extLst>
               <a:ext uri="{FF2B5EF4-FFF2-40B4-BE49-F238E27FC236}">
-                <a16:creationId xmlns:a16="http://schemas.microsoft.com/office/drawing/2014/main" id="{C6D54758-2D17-B66C-9B42-6C16274E00B1}"/>
+                <a16:creationId xmlns:a16="http://schemas.microsoft.com/office/drawing/2014/main" id="{B4CFF2D5-B6AE-F078-0336-1AD75435122F}"/>
               </a:ext>
             </a:extLst>
           </p:cNvPr>
@@ -1808,7 +1808,7 @@
           <a:bodyPr/>
           <a:lstStyle/>
           <a:p>
-            <a:fld id="{64464D60-C34B-4FAB-9C5A-CAD32E97D230}" type="datetimeFigureOut">
+            <a:fld id="{797BA9AD-6653-48B4-A9A2-9EECBCB98818}" type="datetimeFigureOut">
               <a:rPr lang="zh-CN" altLang="en-US" smtClean="0"/>
               <a:t>2024/3/10</a:t>
             </a:fld>
@@ -1821,7 +1821,7 @@
           <p:cNvPr id="8" name="页脚占位符 7">
             <a:extLst>
               <a:ext uri="{FF2B5EF4-FFF2-40B4-BE49-F238E27FC236}">
-                <a16:creationId xmlns:a16="http://schemas.microsoft.com/office/drawing/2014/main" id="{5CE1E1A1-518B-A3FA-466A-6012E3D3017D}"/>
+                <a16:creationId xmlns:a16="http://schemas.microsoft.com/office/drawing/2014/main" id="{52D8F23D-025A-D153-09DE-E6284BBE9E85}"/>
               </a:ext>
             </a:extLst>
           </p:cNvPr>
@@ -1846,7 +1846,7 @@
           <p:cNvPr id="9" name="灯片编号占位符 8">
             <a:extLst>
               <a:ext uri="{FF2B5EF4-FFF2-40B4-BE49-F238E27FC236}">
-                <a16:creationId xmlns:a16="http://schemas.microsoft.com/office/drawing/2014/main" id="{C2019A52-EBCA-E13C-4ADC-AD5E706875E5}"/>
+                <a16:creationId xmlns:a16="http://schemas.microsoft.com/office/drawing/2014/main" id="{54A44F10-4B4F-1C08-C3CB-B101C704E658}"/>
               </a:ext>
             </a:extLst>
           </p:cNvPr>
@@ -1862,7 +1862,7 @@
           <a:bodyPr/>
           <a:lstStyle/>
           <a:p>
-            <a:fld id="{E08A6B3F-7EA0-48BC-8318-EFF194E24C4A}" type="slidenum">
+            <a:fld id="{9FA2A8F8-82B9-4CD0-89B6-DAFAAED6AFB8}" type="slidenum">
               <a:rPr lang="zh-CN" altLang="en-US" smtClean="0"/>
               <a:t>‹#›</a:t>
             </a:fld>
@@ -1873,7 +1873,7 @@
     </p:spTree>
     <p:extLst>
       <p:ext uri="{BB962C8B-B14F-4D97-AF65-F5344CB8AC3E}">
-        <p14:creationId xmlns:p14="http://schemas.microsoft.com/office/powerpoint/2010/main" val="969155216"/>
+        <p14:creationId xmlns:p14="http://schemas.microsoft.com/office/powerpoint/2010/main" val="235659584"/>
       </p:ext>
     </p:extLst>
   </p:cSld>
@@ -1905,7 +1905,7 @@
           <p:cNvPr id="2" name="标题 1">
             <a:extLst>
               <a:ext uri="{FF2B5EF4-FFF2-40B4-BE49-F238E27FC236}">
-                <a16:creationId xmlns:a16="http://schemas.microsoft.com/office/drawing/2014/main" id="{3A70897C-FEC4-884B-95FB-5E9B09AA422E}"/>
+                <a16:creationId xmlns:a16="http://schemas.microsoft.com/office/drawing/2014/main" id="{51DE53E1-2C58-A0A8-C474-A39CC8910FC9}"/>
               </a:ext>
             </a:extLst>
           </p:cNvPr>
@@ -1933,7 +1933,7 @@
           <p:cNvPr id="3" name="日期占位符 2">
             <a:extLst>
               <a:ext uri="{FF2B5EF4-FFF2-40B4-BE49-F238E27FC236}">
-                <a16:creationId xmlns:a16="http://schemas.microsoft.com/office/drawing/2014/main" id="{F37D334A-DE11-0DD5-6D7E-38D8911424D8}"/>
+                <a16:creationId xmlns:a16="http://schemas.microsoft.com/office/drawing/2014/main" id="{CE204DCC-D4AB-2F34-FB08-AF4ABCF5E2BC}"/>
               </a:ext>
             </a:extLst>
           </p:cNvPr>
@@ -1949,7 +1949,7 @@
           <a:bodyPr/>
           <a:lstStyle/>
           <a:p>
-            <a:fld id="{64464D60-C34B-4FAB-9C5A-CAD32E97D230}" type="datetimeFigureOut">
+            <a:fld id="{797BA9AD-6653-48B4-A9A2-9EECBCB98818}" type="datetimeFigureOut">
               <a:rPr lang="zh-CN" altLang="en-US" smtClean="0"/>
               <a:t>2024/3/10</a:t>
             </a:fld>
@@ -1962,7 +1962,7 @@
           <p:cNvPr id="4" name="页脚占位符 3">
             <a:extLst>
               <a:ext uri="{FF2B5EF4-FFF2-40B4-BE49-F238E27FC236}">
-                <a16:creationId xmlns:a16="http://schemas.microsoft.com/office/drawing/2014/main" id="{AF64B1CA-9286-6697-3FCD-D43703D6D874}"/>
+                <a16:creationId xmlns:a16="http://schemas.microsoft.com/office/drawing/2014/main" id="{FDC0FF90-2CCD-82AE-EFCA-129E78DFA1A6}"/>
               </a:ext>
             </a:extLst>
           </p:cNvPr>
@@ -1987,7 +1987,7 @@
           <p:cNvPr id="5" name="灯片编号占位符 4">
             <a:extLst>
               <a:ext uri="{FF2B5EF4-FFF2-40B4-BE49-F238E27FC236}">
-                <a16:creationId xmlns:a16="http://schemas.microsoft.com/office/drawing/2014/main" id="{FF786CA9-2E88-A442-5C8E-B6810A2A36FD}"/>
+                <a16:creationId xmlns:a16="http://schemas.microsoft.com/office/drawing/2014/main" id="{168DAA72-1465-4DA6-4469-C17D7F85A14B}"/>
               </a:ext>
             </a:extLst>
           </p:cNvPr>
@@ -2003,7 +2003,7 @@
           <a:bodyPr/>
           <a:lstStyle/>
           <a:p>
-            <a:fld id="{E08A6B3F-7EA0-48BC-8318-EFF194E24C4A}" type="slidenum">
+            <a:fld id="{9FA2A8F8-82B9-4CD0-89B6-DAFAAED6AFB8}" type="slidenum">
               <a:rPr lang="zh-CN" altLang="en-US" smtClean="0"/>
               <a:t>‹#›</a:t>
             </a:fld>
@@ -2014,7 +2014,7 @@
     </p:spTree>
     <p:extLst>
       <p:ext uri="{BB962C8B-B14F-4D97-AF65-F5344CB8AC3E}">
-        <p14:creationId xmlns:p14="http://schemas.microsoft.com/office/powerpoint/2010/main" val="2074704464"/>
+        <p14:creationId xmlns:p14="http://schemas.microsoft.com/office/powerpoint/2010/main" val="2666793073"/>
       </p:ext>
     </p:extLst>
   </p:cSld>
@@ -2046,7 +2046,7 @@
           <p:cNvPr id="2" name="日期占位符 1">
             <a:extLst>
               <a:ext uri="{FF2B5EF4-FFF2-40B4-BE49-F238E27FC236}">
-                <a16:creationId xmlns:a16="http://schemas.microsoft.com/office/drawing/2014/main" id="{EB75A710-E693-C560-C6B8-E11C064CCCE8}"/>
+                <a16:creationId xmlns:a16="http://schemas.microsoft.com/office/drawing/2014/main" id="{9FE784CF-E08C-0CB3-2030-BC0A881F7715}"/>
               </a:ext>
             </a:extLst>
           </p:cNvPr>
@@ -2062,7 +2062,7 @@
           <a:bodyPr/>
           <a:lstStyle/>
           <a:p>
-            <a:fld id="{64464D60-C34B-4FAB-9C5A-CAD32E97D230}" type="datetimeFigureOut">
+            <a:fld id="{797BA9AD-6653-48B4-A9A2-9EECBCB98818}" type="datetimeFigureOut">
               <a:rPr lang="zh-CN" altLang="en-US" smtClean="0"/>
               <a:t>2024/3/10</a:t>
             </a:fld>
@@ -2075,7 +2075,7 @@
           <p:cNvPr id="3" name="页脚占位符 2">
             <a:extLst>
               <a:ext uri="{FF2B5EF4-FFF2-40B4-BE49-F238E27FC236}">
-                <a16:creationId xmlns:a16="http://schemas.microsoft.com/office/drawing/2014/main" id="{5E668669-8F90-6CA6-425F-09656D5191A6}"/>
+                <a16:creationId xmlns:a16="http://schemas.microsoft.com/office/drawing/2014/main" id="{A6C302B8-210D-681A-81C7-70D3950A40F4}"/>
               </a:ext>
             </a:extLst>
           </p:cNvPr>
@@ -2100,7 +2100,7 @@
           <p:cNvPr id="4" name="灯片编号占位符 3">
             <a:extLst>
               <a:ext uri="{FF2B5EF4-FFF2-40B4-BE49-F238E27FC236}">
-                <a16:creationId xmlns:a16="http://schemas.microsoft.com/office/drawing/2014/main" id="{A0369BB2-43E8-90A3-6418-AAB25928C16D}"/>
+                <a16:creationId xmlns:a16="http://schemas.microsoft.com/office/drawing/2014/main" id="{E93F0207-7F3D-A02B-22CE-873AF5E8DF1C}"/>
               </a:ext>
             </a:extLst>
           </p:cNvPr>
@@ -2116,7 +2116,7 @@
           <a:bodyPr/>
           <a:lstStyle/>
           <a:p>
-            <a:fld id="{E08A6B3F-7EA0-48BC-8318-EFF194E24C4A}" type="slidenum">
+            <a:fld id="{9FA2A8F8-82B9-4CD0-89B6-DAFAAED6AFB8}" type="slidenum">
               <a:rPr lang="zh-CN" altLang="en-US" smtClean="0"/>
               <a:t>‹#›</a:t>
             </a:fld>
@@ -2127,7 +2127,7 @@
     </p:spTree>
     <p:extLst>
       <p:ext uri="{BB962C8B-B14F-4D97-AF65-F5344CB8AC3E}">
-        <p14:creationId xmlns:p14="http://schemas.microsoft.com/office/powerpoint/2010/main" val="2129211248"/>
+        <p14:creationId xmlns:p14="http://schemas.microsoft.com/office/powerpoint/2010/main" val="3516028425"/>
       </p:ext>
     </p:extLst>
   </p:cSld>
@@ -2159,7 +2159,7 @@
           <p:cNvPr id="2" name="标题 1">
             <a:extLst>
               <a:ext uri="{FF2B5EF4-FFF2-40B4-BE49-F238E27FC236}">
-                <a16:creationId xmlns:a16="http://schemas.microsoft.com/office/drawing/2014/main" id="{C5B4DF49-7D5A-7684-189C-64141A3BE741}"/>
+                <a16:creationId xmlns:a16="http://schemas.microsoft.com/office/drawing/2014/main" id="{AB95D1AD-D127-8AE4-4050-1FA2BA6C7A84}"/>
               </a:ext>
             </a:extLst>
           </p:cNvPr>
@@ -2196,7 +2196,7 @@
           <p:cNvPr id="3" name="内容占位符 2">
             <a:extLst>
               <a:ext uri="{FF2B5EF4-FFF2-40B4-BE49-F238E27FC236}">
-                <a16:creationId xmlns:a16="http://schemas.microsoft.com/office/drawing/2014/main" id="{420B0DCE-40A2-7507-380B-9CC1D84EF3F4}"/>
+                <a16:creationId xmlns:a16="http://schemas.microsoft.com/office/drawing/2014/main" id="{AA3D8690-26EC-E538-2AD7-B88C6F3E8704}"/>
               </a:ext>
             </a:extLst>
           </p:cNvPr>
@@ -2286,7 +2286,7 @@
           <p:cNvPr id="4" name="文本占位符 3">
             <a:extLst>
               <a:ext uri="{FF2B5EF4-FFF2-40B4-BE49-F238E27FC236}">
-                <a16:creationId xmlns:a16="http://schemas.microsoft.com/office/drawing/2014/main" id="{90BE5377-652A-1E7D-9307-A5E7B8232B17}"/>
+                <a16:creationId xmlns:a16="http://schemas.microsoft.com/office/drawing/2014/main" id="{8E6EE3D3-8A34-23ED-B56B-02718901471D}"/>
               </a:ext>
             </a:extLst>
           </p:cNvPr>
@@ -2357,7 +2357,7 @@
           <p:cNvPr id="5" name="日期占位符 4">
             <a:extLst>
               <a:ext uri="{FF2B5EF4-FFF2-40B4-BE49-F238E27FC236}">
-                <a16:creationId xmlns:a16="http://schemas.microsoft.com/office/drawing/2014/main" id="{758020E7-3257-B6FA-32D5-9F7D0C6009F0}"/>
+                <a16:creationId xmlns:a16="http://schemas.microsoft.com/office/drawing/2014/main" id="{D3DFA4D9-3C07-C020-BBA9-220303506D0C}"/>
               </a:ext>
             </a:extLst>
           </p:cNvPr>
@@ -2373,7 +2373,7 @@
           <a:bodyPr/>
           <a:lstStyle/>
           <a:p>
-            <a:fld id="{64464D60-C34B-4FAB-9C5A-CAD32E97D230}" type="datetimeFigureOut">
+            <a:fld id="{797BA9AD-6653-48B4-A9A2-9EECBCB98818}" type="datetimeFigureOut">
               <a:rPr lang="zh-CN" altLang="en-US" smtClean="0"/>
               <a:t>2024/3/10</a:t>
             </a:fld>
@@ -2386,7 +2386,7 @@
           <p:cNvPr id="6" name="页脚占位符 5">
             <a:extLst>
               <a:ext uri="{FF2B5EF4-FFF2-40B4-BE49-F238E27FC236}">
-                <a16:creationId xmlns:a16="http://schemas.microsoft.com/office/drawing/2014/main" id="{DCD41337-8ED2-52B8-23D5-763ADAFF89E9}"/>
+                <a16:creationId xmlns:a16="http://schemas.microsoft.com/office/drawing/2014/main" id="{ECEE9EE3-06C9-EFDD-49D1-5F7B2A371144}"/>
               </a:ext>
             </a:extLst>
           </p:cNvPr>
@@ -2411,7 +2411,7 @@
           <p:cNvPr id="7" name="灯片编号占位符 6">
             <a:extLst>
               <a:ext uri="{FF2B5EF4-FFF2-40B4-BE49-F238E27FC236}">
-                <a16:creationId xmlns:a16="http://schemas.microsoft.com/office/drawing/2014/main" id="{DC62974C-D819-A2E1-FAD5-0B9820F43CD2}"/>
+                <a16:creationId xmlns:a16="http://schemas.microsoft.com/office/drawing/2014/main" id="{B37D09F9-74B8-BFB8-B8D4-AC09DE75FFA9}"/>
               </a:ext>
             </a:extLst>
           </p:cNvPr>
@@ -2427,7 +2427,7 @@
           <a:bodyPr/>
           <a:lstStyle/>
           <a:p>
-            <a:fld id="{E08A6B3F-7EA0-48BC-8318-EFF194E24C4A}" type="slidenum">
+            <a:fld id="{9FA2A8F8-82B9-4CD0-89B6-DAFAAED6AFB8}" type="slidenum">
               <a:rPr lang="zh-CN" altLang="en-US" smtClean="0"/>
               <a:t>‹#›</a:t>
             </a:fld>
@@ -2438,7 +2438,7 @@
     </p:spTree>
     <p:extLst>
       <p:ext uri="{BB962C8B-B14F-4D97-AF65-F5344CB8AC3E}">
-        <p14:creationId xmlns:p14="http://schemas.microsoft.com/office/powerpoint/2010/main" val="2436552454"/>
+        <p14:creationId xmlns:p14="http://schemas.microsoft.com/office/powerpoint/2010/main" val="4140881389"/>
       </p:ext>
     </p:extLst>
   </p:cSld>
@@ -2470,7 +2470,7 @@
           <p:cNvPr id="2" name="标题 1">
             <a:extLst>
               <a:ext uri="{FF2B5EF4-FFF2-40B4-BE49-F238E27FC236}">
-                <a16:creationId xmlns:a16="http://schemas.microsoft.com/office/drawing/2014/main" id="{799CC16C-EFC9-1121-3666-E09D6B891904}"/>
+                <a16:creationId xmlns:a16="http://schemas.microsoft.com/office/drawing/2014/main" id="{A937CE2D-C22F-AB0F-AB94-D598E854840A}"/>
               </a:ext>
             </a:extLst>
           </p:cNvPr>
@@ -2507,7 +2507,7 @@
           <p:cNvPr id="3" name="图片占位符 2">
             <a:extLst>
               <a:ext uri="{FF2B5EF4-FFF2-40B4-BE49-F238E27FC236}">
-                <a16:creationId xmlns:a16="http://schemas.microsoft.com/office/drawing/2014/main" id="{E0B1B613-0F64-F2D7-B365-826ACEDBEAC7}"/>
+                <a16:creationId xmlns:a16="http://schemas.microsoft.com/office/drawing/2014/main" id="{DC24105C-4E28-6E96-1B3E-54C35F741321}"/>
               </a:ext>
             </a:extLst>
           </p:cNvPr>
@@ -2574,7 +2574,7 @@
           <p:cNvPr id="4" name="文本占位符 3">
             <a:extLst>
               <a:ext uri="{FF2B5EF4-FFF2-40B4-BE49-F238E27FC236}">
-                <a16:creationId xmlns:a16="http://schemas.microsoft.com/office/drawing/2014/main" id="{B0BEEC25-9F39-5C6E-F2D0-E8B060C78BB8}"/>
+                <a16:creationId xmlns:a16="http://schemas.microsoft.com/office/drawing/2014/main" id="{9CD342A8-35F7-71B8-D304-26744FFB7E04}"/>
               </a:ext>
             </a:extLst>
           </p:cNvPr>
@@ -2645,7 +2645,7 @@
           <p:cNvPr id="5" name="日期占位符 4">
             <a:extLst>
               <a:ext uri="{FF2B5EF4-FFF2-40B4-BE49-F238E27FC236}">
-                <a16:creationId xmlns:a16="http://schemas.microsoft.com/office/drawing/2014/main" id="{08FC87C8-F171-FE73-4E57-33D27CC8918E}"/>
+                <a16:creationId xmlns:a16="http://schemas.microsoft.com/office/drawing/2014/main" id="{47EC6FBF-DE33-E085-35AD-D8CDA8763941}"/>
               </a:ext>
             </a:extLst>
           </p:cNvPr>
@@ -2661,7 +2661,7 @@
           <a:bodyPr/>
           <a:lstStyle/>
           <a:p>
-            <a:fld id="{64464D60-C34B-4FAB-9C5A-CAD32E97D230}" type="datetimeFigureOut">
+            <a:fld id="{797BA9AD-6653-48B4-A9A2-9EECBCB98818}" type="datetimeFigureOut">
               <a:rPr lang="zh-CN" altLang="en-US" smtClean="0"/>
               <a:t>2024/3/10</a:t>
             </a:fld>
@@ -2674,7 +2674,7 @@
           <p:cNvPr id="6" name="页脚占位符 5">
             <a:extLst>
               <a:ext uri="{FF2B5EF4-FFF2-40B4-BE49-F238E27FC236}">
-                <a16:creationId xmlns:a16="http://schemas.microsoft.com/office/drawing/2014/main" id="{B4481C57-D623-B8A5-7080-EF7B76B81F87}"/>
+                <a16:creationId xmlns:a16="http://schemas.microsoft.com/office/drawing/2014/main" id="{ECF4625C-E6C2-8A59-FE13-FC94D5B3AEE3}"/>
               </a:ext>
             </a:extLst>
           </p:cNvPr>
@@ -2699,7 +2699,7 @@
           <p:cNvPr id="7" name="灯片编号占位符 6">
             <a:extLst>
               <a:ext uri="{FF2B5EF4-FFF2-40B4-BE49-F238E27FC236}">
-                <a16:creationId xmlns:a16="http://schemas.microsoft.com/office/drawing/2014/main" id="{A42F23B6-745E-A5D8-D8F9-BC75063E2F29}"/>
+                <a16:creationId xmlns:a16="http://schemas.microsoft.com/office/drawing/2014/main" id="{E1AA752A-3F9F-8F59-890F-9944709DDD60}"/>
               </a:ext>
             </a:extLst>
           </p:cNvPr>
@@ -2715,7 +2715,7 @@
           <a:bodyPr/>
           <a:lstStyle/>
           <a:p>
-            <a:fld id="{E08A6B3F-7EA0-48BC-8318-EFF194E24C4A}" type="slidenum">
+            <a:fld id="{9FA2A8F8-82B9-4CD0-89B6-DAFAAED6AFB8}" type="slidenum">
               <a:rPr lang="zh-CN" altLang="en-US" smtClean="0"/>
               <a:t>‹#›</a:t>
             </a:fld>
@@ -2726,7 +2726,7 @@
     </p:spTree>
     <p:extLst>
       <p:ext uri="{BB962C8B-B14F-4D97-AF65-F5344CB8AC3E}">
-        <p14:creationId xmlns:p14="http://schemas.microsoft.com/office/powerpoint/2010/main" val="2583680396"/>
+        <p14:creationId xmlns:p14="http://schemas.microsoft.com/office/powerpoint/2010/main" val="357614386"/>
       </p:ext>
     </p:extLst>
   </p:cSld>
@@ -2763,7 +2763,7 @@
           <p:cNvPr id="2" name="标题占位符 1">
             <a:extLst>
               <a:ext uri="{FF2B5EF4-FFF2-40B4-BE49-F238E27FC236}">
-                <a16:creationId xmlns:a16="http://schemas.microsoft.com/office/drawing/2014/main" id="{A29188AF-4AC4-1C7D-E593-1F36E3EBCAD0}"/>
+                <a16:creationId xmlns:a16="http://schemas.microsoft.com/office/drawing/2014/main" id="{A026776D-0234-B64F-9484-2A4758520CB8}"/>
               </a:ext>
             </a:extLst>
           </p:cNvPr>
@@ -2801,7 +2801,7 @@
           <p:cNvPr id="3" name="文本占位符 2">
             <a:extLst>
               <a:ext uri="{FF2B5EF4-FFF2-40B4-BE49-F238E27FC236}">
-                <a16:creationId xmlns:a16="http://schemas.microsoft.com/office/drawing/2014/main" id="{0C62DEE8-0FFB-EB0A-EBEE-4E3CC326DD46}"/>
+                <a16:creationId xmlns:a16="http://schemas.microsoft.com/office/drawing/2014/main" id="{BEF98AF6-07BA-B3F8-5444-49E093811A3E}"/>
               </a:ext>
             </a:extLst>
           </p:cNvPr>
@@ -2868,7 +2868,7 @@
           <p:cNvPr id="4" name="日期占位符 3">
             <a:extLst>
               <a:ext uri="{FF2B5EF4-FFF2-40B4-BE49-F238E27FC236}">
-                <a16:creationId xmlns:a16="http://schemas.microsoft.com/office/drawing/2014/main" id="{5A659DF1-B32A-B669-5AB7-37D89524D1FE}"/>
+                <a16:creationId xmlns:a16="http://schemas.microsoft.com/office/drawing/2014/main" id="{B07D840B-FEB1-A0AA-AA4E-8BD42C4E1361}"/>
               </a:ext>
             </a:extLst>
           </p:cNvPr>
@@ -2902,7 +2902,7 @@
             </a:lvl1pPr>
           </a:lstStyle>
           <a:p>
-            <a:fld id="{64464D60-C34B-4FAB-9C5A-CAD32E97D230}" type="datetimeFigureOut">
+            <a:fld id="{797BA9AD-6653-48B4-A9A2-9EECBCB98818}" type="datetimeFigureOut">
               <a:rPr lang="zh-CN" altLang="en-US" smtClean="0"/>
               <a:t>2024/3/10</a:t>
             </a:fld>
@@ -2915,7 +2915,7 @@
           <p:cNvPr id="5" name="页脚占位符 4">
             <a:extLst>
               <a:ext uri="{FF2B5EF4-FFF2-40B4-BE49-F238E27FC236}">
-                <a16:creationId xmlns:a16="http://schemas.microsoft.com/office/drawing/2014/main" id="{AD880D32-702B-842C-F53B-F4C5713666D1}"/>
+                <a16:creationId xmlns:a16="http://schemas.microsoft.com/office/drawing/2014/main" id="{B05D8056-CB07-4459-706D-65CEC1EF73FC}"/>
               </a:ext>
             </a:extLst>
           </p:cNvPr>
@@ -2958,7 +2958,7 @@
           <p:cNvPr id="6" name="灯片编号占位符 5">
             <a:extLst>
               <a:ext uri="{FF2B5EF4-FFF2-40B4-BE49-F238E27FC236}">
-                <a16:creationId xmlns:a16="http://schemas.microsoft.com/office/drawing/2014/main" id="{B4B4E16A-9D15-35E3-4F0E-9C0ABEC9F813}"/>
+                <a16:creationId xmlns:a16="http://schemas.microsoft.com/office/drawing/2014/main" id="{89A7C35F-F921-A25B-793E-B324133559A8}"/>
               </a:ext>
             </a:extLst>
           </p:cNvPr>
@@ -2992,7 +2992,7 @@
             </a:lvl1pPr>
           </a:lstStyle>
           <a:p>
-            <a:fld id="{E08A6B3F-7EA0-48BC-8318-EFF194E24C4A}" type="slidenum">
+            <a:fld id="{9FA2A8F8-82B9-4CD0-89B6-DAFAAED6AFB8}" type="slidenum">
               <a:rPr lang="zh-CN" altLang="en-US" smtClean="0"/>
               <a:t>‹#›</a:t>
             </a:fld>
@@ -3003,7 +3003,7 @@
     </p:spTree>
     <p:extLst>
       <p:ext uri="{BB962C8B-B14F-4D97-AF65-F5344CB8AC3E}">
-        <p14:creationId xmlns:p14="http://schemas.microsoft.com/office/powerpoint/2010/main" val="1516478679"/>
+        <p14:creationId xmlns:p14="http://schemas.microsoft.com/office/powerpoint/2010/main" val="3772942805"/>
       </p:ext>
     </p:extLst>
   </p:cSld>
